--- a/Software Requirements Specification.pptx
+++ b/Software Requirements Specification.pptx
@@ -1880,25 +1880,11 @@
               <a:t> </a:t>
             </a:r>
             <a:r>
-              <a:rPr sz="1400" b="1" spc="-5" dirty="0">
+              <a:rPr lang="en-US" sz="1400" b="1" spc="-5" dirty="0">
                 <a:latin typeface="Arial"/>
                 <a:cs typeface="Arial"/>
               </a:rPr>
-              <a:t>1.6</a:t>
-            </a:r>
-            <a:r>
-              <a:rPr lang="en-IN" sz="1400" b="1" spc="-50" dirty="0">
-                <a:latin typeface="Arial"/>
-                <a:cs typeface="Arial"/>
-              </a:rPr>
-              <a:t> </a:t>
-            </a:r>
-            <a:r>
-              <a:rPr lang="en-IN" sz="1400" b="1" spc="-5" dirty="0">
-                <a:latin typeface="Arial"/>
-                <a:cs typeface="Arial"/>
-              </a:rPr>
-              <a:t>approved</a:t>
+              <a:t>3.1 Decided</a:t>
             </a:r>
             <a:endParaRPr sz="1400" dirty="0">
               <a:latin typeface="Arial"/>
@@ -6894,7 +6880,7 @@
                 <a:latin typeface="Arial" panose="020B0604020202020204" pitchFamily="34" charset="0"/>
                 <a:cs typeface="Arial" panose="020B0604020202020204" pitchFamily="34" charset="0"/>
               </a:rPr>
-              <a:t>REQ-NF-1: The system shall capture and save selfies within 2 seconds of gesture-triggered capture to maintain user engagement.</a:t>
+              <a:t>REQ-NF-1: The system shall capture and save selfies within 1 seconds of gesture-triggered capture to maintain user engagement.</a:t>
             </a:r>
           </a:p>
           <a:p>
@@ -6903,7 +6889,7 @@
                 <a:latin typeface="Arial" panose="020B0604020202020204" pitchFamily="34" charset="0"/>
                 <a:cs typeface="Arial" panose="020B0604020202020204" pitchFamily="34" charset="0"/>
               </a:rPr>
-              <a:t>REQ-NF-2: The system shall be compatible with a wide range of mobile devices, including smartphones and tablets running Android OS version 7 or higher and iOS version 14 or higher.</a:t>
+              <a:t>REQ-NF-2: The system shall be compatible with a wide range of mobile devices, including smartphones and tablets running Android OS version 7 </a:t>
             </a:r>
           </a:p>
           <a:p>
@@ -9221,14 +9207,14 @@
           <p:nvPr>
             <p:extLst>
               <p:ext uri="{D42A27DB-BD31-4B8C-83A1-F6EECF244321}">
-                <p14:modId xmlns:p14="http://schemas.microsoft.com/office/powerpoint/2010/main" val="4252805085"/>
+                <p14:modId xmlns:p14="http://schemas.microsoft.com/office/powerpoint/2010/main" val="3033501865"/>
               </p:ext>
             </p:extLst>
           </p:nvPr>
         </p:nvGraphicFramePr>
         <p:xfrm>
-          <a:off x="742950" y="2143125"/>
-          <a:ext cx="4912358" cy="1738313"/>
+          <a:off x="742950" y="2143124"/>
+          <a:ext cx="5505450" cy="3628584"/>
         </p:xfrm>
         <a:graphic>
           <a:graphicData uri="http://schemas.openxmlformats.org/drawingml/2006/table">
@@ -9237,21 +9223,21 @@
                 <a:tableStyleId>{2D5ABB26-0587-4C30-8999-92F81FD0307C}</a:tableStyleId>
               </a:tblPr>
               <a:tblGrid>
-                <a:gridCol w="972184">
+                <a:gridCol w="1044466">
                   <a:extLst>
                     <a:ext uri="{9D8B030D-6E8A-4147-A177-3AD203B41FA5}">
                       <a16:colId xmlns:a16="http://schemas.microsoft.com/office/drawing/2014/main" val="20001"/>
                     </a:ext>
                   </a:extLst>
                 </a:gridCol>
-                <a:gridCol w="2915285">
+                <a:gridCol w="3132035">
                   <a:extLst>
                     <a:ext uri="{9D8B030D-6E8A-4147-A177-3AD203B41FA5}">
                       <a16:colId xmlns:a16="http://schemas.microsoft.com/office/drawing/2014/main" val="20002"/>
                     </a:ext>
                   </a:extLst>
                 </a:gridCol>
-                <a:gridCol w="1024889">
+                <a:gridCol w="1328949">
                   <a:extLst>
                     <a:ext uri="{9D8B030D-6E8A-4147-A177-3AD203B41FA5}">
                       <a16:colId xmlns:a16="http://schemas.microsoft.com/office/drawing/2014/main" val="20003"/>
@@ -9259,7 +9245,7 @@
                   </a:extLst>
                 </a:gridCol>
               </a:tblGrid>
-              <a:tr h="228600">
+              <a:tr h="338321">
                 <a:tc>
                   <a:txBody>
                     <a:bodyPr/>
@@ -9271,13 +9257,13 @@
                         </a:lnSpc>
                       </a:pPr>
                       <a:r>
-                        <a:rPr sz="1200" b="1" dirty="0">
+                        <a:rPr sz="1400" b="1" dirty="0">
                           <a:latin typeface="Times New Roman"/>
                           <a:cs typeface="Times New Roman"/>
                         </a:rPr>
                         <a:t>Date</a:t>
                       </a:r>
-                      <a:endParaRPr sz="1200" dirty="0">
+                      <a:endParaRPr sz="1400" dirty="0">
                         <a:latin typeface="Times New Roman"/>
                         <a:cs typeface="Times New Roman"/>
                       </a:endParaRPr>
@@ -9324,34 +9310,34 @@
                         </a:lnSpc>
                       </a:pPr>
                       <a:r>
-                        <a:rPr sz="1200" b="1" spc="-5" dirty="0">
+                        <a:rPr sz="1400" b="1" spc="-5" dirty="0">
                           <a:latin typeface="Times New Roman"/>
                           <a:cs typeface="Times New Roman"/>
                         </a:rPr>
                         <a:t>Reason</a:t>
                       </a:r>
                       <a:r>
-                        <a:rPr sz="1200" b="1" spc="-15" dirty="0">
+                        <a:rPr sz="1400" b="1" spc="-15" dirty="0">
                           <a:latin typeface="Times New Roman"/>
                           <a:cs typeface="Times New Roman"/>
                         </a:rPr>
                         <a:t> </a:t>
                       </a:r>
                       <a:r>
-                        <a:rPr sz="1200" b="1" spc="-10" dirty="0">
+                        <a:rPr sz="1400" b="1" spc="-10" dirty="0">
                           <a:latin typeface="Times New Roman"/>
                           <a:cs typeface="Times New Roman"/>
                         </a:rPr>
                         <a:t>For </a:t>
                       </a:r>
                       <a:r>
-                        <a:rPr sz="1200" b="1" spc="-5" dirty="0">
+                        <a:rPr sz="1400" b="1" spc="-5" dirty="0">
                           <a:latin typeface="Times New Roman"/>
                           <a:cs typeface="Times New Roman"/>
                         </a:rPr>
                         <a:t>Changes</a:t>
                       </a:r>
-                      <a:endParaRPr sz="1200">
+                      <a:endParaRPr sz="1400">
                         <a:latin typeface="Times New Roman"/>
                         <a:cs typeface="Times New Roman"/>
                       </a:endParaRPr>
@@ -9395,13 +9381,13 @@
                         </a:lnSpc>
                       </a:pPr>
                       <a:r>
-                        <a:rPr sz="1200" b="1" spc="-20" dirty="0">
+                        <a:rPr sz="1400" b="1" spc="-20" dirty="0">
                           <a:latin typeface="Times New Roman"/>
                           <a:cs typeface="Times New Roman"/>
                         </a:rPr>
                         <a:t>Version</a:t>
                       </a:r>
-                      <a:endParaRPr sz="1200">
+                      <a:endParaRPr sz="1400">
                         <a:latin typeface="Times New Roman"/>
                         <a:cs typeface="Times New Roman"/>
                       </a:endParaRPr>
@@ -9440,7 +9426,7 @@
                   </a:ext>
                 </a:extLst>
               </a:tr>
-              <a:tr h="295275">
+              <a:tr h="343305">
                 <a:tc>
                   <a:txBody>
                     <a:bodyPr/>
@@ -9451,7 +9437,14 @@
                           <a:spcPct val="100000"/>
                         </a:lnSpc>
                       </a:pPr>
-                      <a:endParaRPr sz="1200" dirty="0">
+                      <a:r>
+                        <a:rPr lang="en-US" sz="1400" dirty="0">
+                          <a:latin typeface="Times New Roman"/>
+                          <a:cs typeface="Times New Roman"/>
+                        </a:rPr>
+                        <a:t>20-Feb</a:t>
+                      </a:r>
+                      <a:endParaRPr sz="1400" dirty="0">
                         <a:latin typeface="Times New Roman"/>
                         <a:cs typeface="Times New Roman"/>
                       </a:endParaRPr>
@@ -9500,7 +9493,21 @@
                           <a:spcPct val="100000"/>
                         </a:lnSpc>
                       </a:pPr>
-                      <a:endParaRPr sz="1200" dirty="0">
+                      <a:r>
+                        <a:rPr lang="en-US" sz="1400" dirty="0">
+                          <a:latin typeface="Times New Roman"/>
+                          <a:cs typeface="Times New Roman"/>
+                        </a:rPr>
+                        <a:t>To improved gesture recognition accuracy and performance optimizations.</a:t>
+                      </a:r>
+                    </a:p>
+                    <a:p>
+                      <a:pPr marL="65405">
+                        <a:lnSpc>
+                          <a:spcPct val="100000"/>
+                        </a:lnSpc>
+                      </a:pPr>
+                      <a:endParaRPr sz="1400" dirty="0">
                         <a:latin typeface="Times New Roman"/>
                         <a:cs typeface="Times New Roman"/>
                       </a:endParaRPr>
@@ -9543,7 +9550,14 @@
                           <a:spcPct val="100000"/>
                         </a:lnSpc>
                       </a:pPr>
-                      <a:endParaRPr sz="1200">
+                      <a:r>
+                        <a:rPr lang="en-US" sz="1400" dirty="0">
+                          <a:latin typeface="Times New Roman"/>
+                          <a:cs typeface="Times New Roman"/>
+                        </a:rPr>
+                        <a:t>1.0</a:t>
+                      </a:r>
+                      <a:endParaRPr sz="1400" dirty="0">
                         <a:latin typeface="Times New Roman"/>
                         <a:cs typeface="Times New Roman"/>
                       </a:endParaRPr>
@@ -9582,7 +9596,7 @@
                   </a:ext>
                 </a:extLst>
               </a:tr>
-              <a:tr h="452438">
+              <a:tr h="451095">
                 <a:tc>
                   <a:txBody>
                     <a:bodyPr/>
@@ -9593,7 +9607,14 @@
                           <a:spcPts val="1400"/>
                         </a:lnSpc>
                       </a:pPr>
-                      <a:endParaRPr sz="1200" dirty="0">
+                      <a:r>
+                        <a:rPr lang="en-US" sz="1400" dirty="0">
+                          <a:latin typeface="Times New Roman"/>
+                          <a:cs typeface="Times New Roman"/>
+                        </a:rPr>
+                        <a:t>28-Feb</a:t>
+                      </a:r>
+                      <a:endParaRPr sz="1400" dirty="0">
                         <a:latin typeface="Times New Roman"/>
                         <a:cs typeface="Times New Roman"/>
                       </a:endParaRPr>
@@ -9648,7 +9669,14 @@
                           <a:spcPts val="15"/>
                         </a:spcBef>
                       </a:pPr>
-                      <a:endParaRPr sz="1200" dirty="0">
+                      <a:r>
+                        <a:rPr lang="en-US" sz="1400" dirty="0">
+                          <a:latin typeface="Times New Roman"/>
+                          <a:cs typeface="Times New Roman"/>
+                        </a:rPr>
+                        <a:t>Adding more gesture in YOLOV8</a:t>
+                      </a:r>
+                      <a:endParaRPr sz="1400" dirty="0">
                         <a:latin typeface="Times New Roman"/>
                         <a:cs typeface="Times New Roman"/>
                       </a:endParaRPr>
@@ -9700,7 +9728,14 @@
                           <a:spcPts val="1400"/>
                         </a:lnSpc>
                       </a:pPr>
-                      <a:endParaRPr sz="1200">
+                      <a:r>
+                        <a:rPr lang="en-US" sz="1400" dirty="0">
+                          <a:latin typeface="Times New Roman"/>
+                          <a:cs typeface="Times New Roman"/>
+                        </a:rPr>
+                        <a:t>1.1</a:t>
+                      </a:r>
+                      <a:endParaRPr sz="1400" dirty="0">
                         <a:latin typeface="Times New Roman"/>
                         <a:cs typeface="Times New Roman"/>
                       </a:endParaRPr>
@@ -9745,7 +9780,7 @@
                   </a:ext>
                 </a:extLst>
               </a:tr>
-              <a:tr h="409575">
+              <a:tr h="563869">
                 <a:tc>
                   <a:txBody>
                     <a:bodyPr/>
@@ -9756,7 +9791,14 @@
                           <a:spcPct val="100000"/>
                         </a:lnSpc>
                       </a:pPr>
-                      <a:endParaRPr sz="1200" dirty="0">
+                      <a:r>
+                        <a:rPr lang="en-US" sz="1400" dirty="0">
+                          <a:latin typeface="Times New Roman"/>
+                          <a:cs typeface="Times New Roman"/>
+                        </a:rPr>
+                        <a:t>10-March</a:t>
+                      </a:r>
+                      <a:endParaRPr sz="1400" dirty="0">
                         <a:latin typeface="Times New Roman"/>
                         <a:cs typeface="Times New Roman"/>
                       </a:endParaRPr>
@@ -9811,7 +9853,14 @@
                           <a:spcPts val="55"/>
                         </a:spcBef>
                       </a:pPr>
-                      <a:endParaRPr sz="1200" dirty="0">
+                      <a:r>
+                        <a:rPr lang="en-US" sz="1400" dirty="0">
+                          <a:latin typeface="Times New Roman"/>
+                          <a:cs typeface="Times New Roman"/>
+                        </a:rPr>
+                        <a:t>Issue in Realtime implementation </a:t>
+                      </a:r>
+                      <a:endParaRPr sz="1400" dirty="0">
                         <a:latin typeface="Times New Roman"/>
                         <a:cs typeface="Times New Roman"/>
                       </a:endParaRPr>
@@ -9863,7 +9912,14 @@
                           <a:spcPct val="100000"/>
                         </a:lnSpc>
                       </a:pPr>
-                      <a:endParaRPr sz="1200" dirty="0">
+                      <a:r>
+                        <a:rPr lang="en-US" sz="1400" dirty="0">
+                          <a:latin typeface="Times New Roman"/>
+                          <a:cs typeface="Times New Roman"/>
+                        </a:rPr>
+                        <a:t>1.2</a:t>
+                      </a:r>
+                      <a:endParaRPr sz="1400" dirty="0">
                         <a:latin typeface="Times New Roman"/>
                         <a:cs typeface="Times New Roman"/>
                       </a:endParaRPr>
@@ -9908,7 +9964,7 @@
                   </a:ext>
                 </a:extLst>
               </a:tr>
-              <a:tr h="352425">
+              <a:tr h="521578">
                 <a:tc>
                   <a:txBody>
                     <a:bodyPr/>
@@ -9919,7 +9975,14 @@
                           <a:spcPct val="100000"/>
                         </a:lnSpc>
                       </a:pPr>
-                      <a:endParaRPr sz="1200" dirty="0">
+                      <a:r>
+                        <a:rPr lang="en-US" sz="1400" dirty="0">
+                          <a:latin typeface="Times New Roman"/>
+                          <a:cs typeface="Times New Roman"/>
+                        </a:rPr>
+                        <a:t>22-March</a:t>
+                      </a:r>
+                      <a:endParaRPr sz="1400" dirty="0">
                         <a:latin typeface="Times New Roman"/>
                         <a:cs typeface="Times New Roman"/>
                       </a:endParaRPr>
@@ -9971,7 +10034,14 @@
                           <a:spcPct val="100000"/>
                         </a:lnSpc>
                       </a:pPr>
-                      <a:endParaRPr sz="1200" dirty="0">
+                      <a:r>
+                        <a:rPr lang="en-US" sz="1400" dirty="0">
+                          <a:latin typeface="Times New Roman"/>
+                          <a:cs typeface="Times New Roman"/>
+                        </a:rPr>
+                        <a:t>Optimization of Haar cascade model</a:t>
+                      </a:r>
+                      <a:endParaRPr sz="1400" dirty="0">
                         <a:latin typeface="Times New Roman"/>
                         <a:cs typeface="Times New Roman"/>
                       </a:endParaRPr>
@@ -10005,11 +10075,14 @@
                       <a:headEnd type="none" w="med" len="med"/>
                       <a:tailEnd type="none" w="med" len="med"/>
                     </a:lnT>
-                    <a:lnB w="19050">
-                      <a:solidFill>
-                        <a:srgbClr val="000000"/>
-                      </a:solidFill>
-                      <a:prstDash val="solid"/>
+                    <a:lnB w="19050" cap="flat" cmpd="sng" algn="ctr">
+                      <a:solidFill>
+                        <a:srgbClr val="000000"/>
+                      </a:solidFill>
+                      <a:prstDash val="solid"/>
+                      <a:round/>
+                      <a:headEnd type="none" w="med" len="med"/>
+                      <a:tailEnd type="none" w="med" len="med"/>
                     </a:lnB>
                   </a:tcPr>
                 </a:tc>
@@ -10023,7 +10096,14 @@
                           <a:spcPct val="100000"/>
                         </a:lnSpc>
                       </a:pPr>
-                      <a:endParaRPr sz="1200" dirty="0">
+                      <a:r>
+                        <a:rPr lang="en-US" sz="1400" dirty="0">
+                          <a:latin typeface="Times New Roman"/>
+                          <a:cs typeface="Times New Roman"/>
+                        </a:rPr>
+                        <a:t>2.0</a:t>
+                      </a:r>
+                      <a:endParaRPr sz="1400" dirty="0">
                         <a:latin typeface="Times New Roman"/>
                         <a:cs typeface="Times New Roman"/>
                       </a:endParaRPr>
@@ -10054,17 +10134,394 @@
                       <a:headEnd type="none" w="med" len="med"/>
                       <a:tailEnd type="none" w="med" len="med"/>
                     </a:lnT>
-                    <a:lnB w="19050">
-                      <a:solidFill>
-                        <a:srgbClr val="000000"/>
-                      </a:solidFill>
-                      <a:prstDash val="solid"/>
+                    <a:lnB w="19050" cap="flat" cmpd="sng" algn="ctr">
+                      <a:solidFill>
+                        <a:srgbClr val="000000"/>
+                      </a:solidFill>
+                      <a:prstDash val="solid"/>
+                      <a:round/>
+                      <a:headEnd type="none" w="med" len="med"/>
+                      <a:tailEnd type="none" w="med" len="med"/>
                     </a:lnB>
                   </a:tcPr>
                 </a:tc>
                 <a:extLst>
                   <a:ext uri="{0D108BD9-81ED-4DB2-BD59-A6C34878D82A}">
                     <a16:rowId xmlns:a16="http://schemas.microsoft.com/office/drawing/2014/main" val="10004"/>
+                  </a:ext>
+                </a:extLst>
+              </a:tr>
+              <a:tr h="541315">
+                <a:tc>
+                  <a:txBody>
+                    <a:bodyPr/>
+                    <a:lstStyle/>
+                    <a:p>
+                      <a:pPr marL="65405">
+                        <a:lnSpc>
+                          <a:spcPct val="100000"/>
+                        </a:lnSpc>
+                      </a:pPr>
+                      <a:r>
+                        <a:rPr lang="en-US" sz="1400" dirty="0">
+                          <a:latin typeface="Times New Roman"/>
+                          <a:cs typeface="Times New Roman"/>
+                        </a:rPr>
+                        <a:t>10-April</a:t>
+                      </a:r>
+                      <a:endParaRPr sz="1400" dirty="0">
+                        <a:latin typeface="Times New Roman"/>
+                        <a:cs typeface="Times New Roman"/>
+                      </a:endParaRPr>
+                    </a:p>
+                  </a:txBody>
+                  <a:tcPr marL="0" marR="0" marT="0" marB="0">
+                    <a:lnL w="9525">
+                      <a:solidFill>
+                        <a:srgbClr val="000000"/>
+                      </a:solidFill>
+                      <a:prstDash val="solid"/>
+                    </a:lnL>
+                    <a:lnR w="9525" cap="flat" cmpd="sng" algn="ctr">
+                      <a:solidFill>
+                        <a:srgbClr val="000000"/>
+                      </a:solidFill>
+                      <a:prstDash val="solid"/>
+                      <a:round/>
+                      <a:headEnd type="none" w="med" len="med"/>
+                      <a:tailEnd type="none" w="med" len="med"/>
+                    </a:lnR>
+                    <a:lnT w="19050" cap="flat" cmpd="sng" algn="ctr">
+                      <a:solidFill>
+                        <a:srgbClr val="000000"/>
+                      </a:solidFill>
+                      <a:prstDash val="solid"/>
+                      <a:round/>
+                      <a:headEnd type="none" w="med" len="med"/>
+                      <a:tailEnd type="none" w="med" len="med"/>
+                    </a:lnT>
+                    <a:lnB w="19050" cap="flat" cmpd="sng" algn="ctr">
+                      <a:solidFill>
+                        <a:srgbClr val="000000"/>
+                      </a:solidFill>
+                      <a:prstDash val="solid"/>
+                      <a:round/>
+                      <a:headEnd type="none" w="med" len="med"/>
+                      <a:tailEnd type="none" w="med" len="med"/>
+                    </a:lnB>
+                  </a:tcPr>
+                </a:tc>
+                <a:tc>
+                  <a:txBody>
+                    <a:bodyPr/>
+                    <a:lstStyle/>
+                    <a:p>
+                      <a:pPr marL="65405">
+                        <a:lnSpc>
+                          <a:spcPct val="100000"/>
+                        </a:lnSpc>
+                      </a:pPr>
+                      <a:r>
+                        <a:rPr lang="en-US" sz="1400" dirty="0">
+                          <a:latin typeface="Times New Roman"/>
+                          <a:cs typeface="Times New Roman"/>
+                        </a:rPr>
+                        <a:t>Lack of quantization and unable to deploy in Kotlin environment</a:t>
+                      </a:r>
+                      <a:endParaRPr sz="1400" dirty="0">
+                        <a:latin typeface="Times New Roman"/>
+                        <a:cs typeface="Times New Roman"/>
+                      </a:endParaRPr>
+                    </a:p>
+                  </a:txBody>
+                  <a:tcPr marL="0" marR="0" marT="0" marB="0">
+                    <a:lnL w="9525" cap="flat" cmpd="sng" algn="ctr">
+                      <a:solidFill>
+                        <a:srgbClr val="000000"/>
+                      </a:solidFill>
+                      <a:prstDash val="solid"/>
+                      <a:round/>
+                      <a:headEnd type="none" w="med" len="med"/>
+                      <a:tailEnd type="none" w="med" len="med"/>
+                    </a:lnL>
+                    <a:lnR w="9525" cap="flat" cmpd="sng" algn="ctr">
+                      <a:solidFill>
+                        <a:srgbClr val="000000"/>
+                      </a:solidFill>
+                      <a:prstDash val="solid"/>
+                      <a:round/>
+                      <a:headEnd type="none" w="med" len="med"/>
+                      <a:tailEnd type="none" w="med" len="med"/>
+                    </a:lnR>
+                    <a:lnT w="19050" cap="flat" cmpd="sng" algn="ctr">
+                      <a:solidFill>
+                        <a:srgbClr val="000000"/>
+                      </a:solidFill>
+                      <a:prstDash val="solid"/>
+                      <a:round/>
+                      <a:headEnd type="none" w="med" len="med"/>
+                      <a:tailEnd type="none" w="med" len="med"/>
+                    </a:lnT>
+                    <a:lnB w="19050" cap="flat" cmpd="sng" algn="ctr">
+                      <a:solidFill>
+                        <a:srgbClr val="000000"/>
+                      </a:solidFill>
+                      <a:prstDash val="solid"/>
+                      <a:round/>
+                      <a:headEnd type="none" w="med" len="med"/>
+                      <a:tailEnd type="none" w="med" len="med"/>
+                    </a:lnB>
+                  </a:tcPr>
+                </a:tc>
+                <a:tc>
+                  <a:txBody>
+                    <a:bodyPr/>
+                    <a:lstStyle/>
+                    <a:p>
+                      <a:pPr marL="65405">
+                        <a:lnSpc>
+                          <a:spcPct val="100000"/>
+                        </a:lnSpc>
+                      </a:pPr>
+                      <a:r>
+                        <a:rPr lang="en-US" sz="1400" dirty="0">
+                          <a:latin typeface="Times New Roman"/>
+                          <a:cs typeface="Times New Roman"/>
+                        </a:rPr>
+                        <a:t>2.1</a:t>
+                      </a:r>
+                      <a:endParaRPr sz="1400" dirty="0">
+                        <a:latin typeface="Times New Roman"/>
+                        <a:cs typeface="Times New Roman"/>
+                      </a:endParaRPr>
+                    </a:p>
+                  </a:txBody>
+                  <a:tcPr marL="0" marR="0" marT="0" marB="0">
+                    <a:lnL w="9525" cap="flat" cmpd="sng" algn="ctr">
+                      <a:solidFill>
+                        <a:srgbClr val="000000"/>
+                      </a:solidFill>
+                      <a:prstDash val="solid"/>
+                      <a:round/>
+                      <a:headEnd type="none" w="med" len="med"/>
+                      <a:tailEnd type="none" w="med" len="med"/>
+                    </a:lnL>
+                    <a:lnR w="19050">
+                      <a:solidFill>
+                        <a:srgbClr val="000000"/>
+                      </a:solidFill>
+                      <a:prstDash val="solid"/>
+                    </a:lnR>
+                    <a:lnT w="19050" cap="flat" cmpd="sng" algn="ctr">
+                      <a:solidFill>
+                        <a:srgbClr val="000000"/>
+                      </a:solidFill>
+                      <a:prstDash val="solid"/>
+                      <a:round/>
+                      <a:headEnd type="none" w="med" len="med"/>
+                      <a:tailEnd type="none" w="med" len="med"/>
+                    </a:lnT>
+                    <a:lnB w="19050" cap="flat" cmpd="sng" algn="ctr">
+                      <a:solidFill>
+                        <a:srgbClr val="000000"/>
+                      </a:solidFill>
+                      <a:prstDash val="solid"/>
+                      <a:round/>
+                      <a:headEnd type="none" w="med" len="med"/>
+                      <a:tailEnd type="none" w="med" len="med"/>
+                    </a:lnB>
+                  </a:tcPr>
+                </a:tc>
+                <a:extLst>
+                  <a:ext uri="{0D108BD9-81ED-4DB2-BD59-A6C34878D82A}">
+                    <a16:rowId xmlns:a16="http://schemas.microsoft.com/office/drawing/2014/main" val="3138267970"/>
+                  </a:ext>
+                </a:extLst>
+              </a:tr>
+              <a:tr h="572326">
+                <a:tc>
+                  <a:txBody>
+                    <a:bodyPr/>
+                    <a:lstStyle/>
+                    <a:p>
+                      <a:pPr marL="65405">
+                        <a:lnSpc>
+                          <a:spcPct val="100000"/>
+                        </a:lnSpc>
+                      </a:pPr>
+                      <a:r>
+                        <a:rPr lang="en-US" sz="1400" dirty="0">
+                          <a:latin typeface="Times New Roman"/>
+                          <a:cs typeface="Times New Roman"/>
+                        </a:rPr>
+                        <a:t>17-April</a:t>
+                      </a:r>
+                      <a:endParaRPr sz="1400" dirty="0">
+                        <a:latin typeface="Times New Roman"/>
+                        <a:cs typeface="Times New Roman"/>
+                      </a:endParaRPr>
+                    </a:p>
+                  </a:txBody>
+                  <a:tcPr marL="0" marR="0" marT="0" marB="0">
+                    <a:lnL w="9525">
+                      <a:solidFill>
+                        <a:srgbClr val="000000"/>
+                      </a:solidFill>
+                      <a:prstDash val="solid"/>
+                    </a:lnL>
+                    <a:lnR w="9525" cap="flat" cmpd="sng" algn="ctr">
+                      <a:solidFill>
+                        <a:srgbClr val="000000"/>
+                      </a:solidFill>
+                      <a:prstDash val="solid"/>
+                      <a:round/>
+                      <a:headEnd type="none" w="med" len="med"/>
+                      <a:tailEnd type="none" w="med" len="med"/>
+                    </a:lnR>
+                    <a:lnT w="19050" cap="flat" cmpd="sng" algn="ctr">
+                      <a:solidFill>
+                        <a:srgbClr val="000000"/>
+                      </a:solidFill>
+                      <a:prstDash val="solid"/>
+                      <a:round/>
+                      <a:headEnd type="none" w="med" len="med"/>
+                      <a:tailEnd type="none" w="med" len="med"/>
+                    </a:lnT>
+                    <a:lnB w="19050" cap="flat" cmpd="sng" algn="ctr">
+                      <a:solidFill>
+                        <a:srgbClr val="000000"/>
+                      </a:solidFill>
+                      <a:prstDash val="solid"/>
+                      <a:round/>
+                      <a:headEnd type="none" w="med" len="med"/>
+                      <a:tailEnd type="none" w="med" len="med"/>
+                    </a:lnB>
+                  </a:tcPr>
+                </a:tc>
+                <a:tc>
+                  <a:txBody>
+                    <a:bodyPr/>
+                    <a:lstStyle/>
+                    <a:p>
+                      <a:pPr marL="65405">
+                        <a:lnSpc>
+                          <a:spcPct val="100000"/>
+                        </a:lnSpc>
+                      </a:pPr>
+                      <a:r>
+                        <a:rPr lang="en-US" sz="1400" dirty="0">
+                          <a:latin typeface="Times New Roman"/>
+                          <a:cs typeface="Times New Roman"/>
+                        </a:rPr>
+                        <a:t>Enhancing UI elements with more gestures added with Unit Testing required</a:t>
+                      </a:r>
+                      <a:endParaRPr sz="1400" dirty="0">
+                        <a:latin typeface="Times New Roman"/>
+                        <a:cs typeface="Times New Roman"/>
+                      </a:endParaRPr>
+                    </a:p>
+                  </a:txBody>
+                  <a:tcPr marL="0" marR="0" marT="0" marB="0">
+                    <a:lnL w="9525" cap="flat" cmpd="sng" algn="ctr">
+                      <a:solidFill>
+                        <a:srgbClr val="000000"/>
+                      </a:solidFill>
+                      <a:prstDash val="solid"/>
+                      <a:round/>
+                      <a:headEnd type="none" w="med" len="med"/>
+                      <a:tailEnd type="none" w="med" len="med"/>
+                    </a:lnL>
+                    <a:lnR w="9525" cap="flat" cmpd="sng" algn="ctr">
+                      <a:solidFill>
+                        <a:srgbClr val="000000"/>
+                      </a:solidFill>
+                      <a:prstDash val="solid"/>
+                      <a:round/>
+                      <a:headEnd type="none" w="med" len="med"/>
+                      <a:tailEnd type="none" w="med" len="med"/>
+                    </a:lnR>
+                    <a:lnT w="19050" cap="flat" cmpd="sng" algn="ctr">
+                      <a:solidFill>
+                        <a:srgbClr val="000000"/>
+                      </a:solidFill>
+                      <a:prstDash val="solid"/>
+                      <a:round/>
+                      <a:headEnd type="none" w="med" len="med"/>
+                      <a:tailEnd type="none" w="med" len="med"/>
+                    </a:lnT>
+                    <a:lnB w="19050" cap="flat" cmpd="sng" algn="ctr">
+                      <a:solidFill>
+                        <a:srgbClr val="000000"/>
+                      </a:solidFill>
+                      <a:prstDash val="solid"/>
+                      <a:round/>
+                      <a:headEnd type="none" w="med" len="med"/>
+                      <a:tailEnd type="none" w="med" len="med"/>
+                    </a:lnB>
+                  </a:tcPr>
+                </a:tc>
+                <a:tc>
+                  <a:txBody>
+                    <a:bodyPr/>
+                    <a:lstStyle/>
+                    <a:p>
+                      <a:pPr marL="65405">
+                        <a:lnSpc>
+                          <a:spcPct val="100000"/>
+                        </a:lnSpc>
+                      </a:pPr>
+                      <a:r>
+                        <a:rPr lang="en-US" sz="1400" dirty="0">
+                          <a:latin typeface="Times New Roman"/>
+                          <a:cs typeface="Times New Roman"/>
+                        </a:rPr>
+                        <a:t>3.0</a:t>
+                      </a:r>
+                      <a:endParaRPr sz="1400" dirty="0">
+                        <a:latin typeface="Times New Roman"/>
+                        <a:cs typeface="Times New Roman"/>
+                      </a:endParaRPr>
+                    </a:p>
+                  </a:txBody>
+                  <a:tcPr marL="0" marR="0" marT="0" marB="0">
+                    <a:lnL w="9525" cap="flat" cmpd="sng" algn="ctr">
+                      <a:solidFill>
+                        <a:srgbClr val="000000"/>
+                      </a:solidFill>
+                      <a:prstDash val="solid"/>
+                      <a:round/>
+                      <a:headEnd type="none" w="med" len="med"/>
+                      <a:tailEnd type="none" w="med" len="med"/>
+                    </a:lnL>
+                    <a:lnR w="19050">
+                      <a:solidFill>
+                        <a:srgbClr val="000000"/>
+                      </a:solidFill>
+                      <a:prstDash val="solid"/>
+                    </a:lnR>
+                    <a:lnT w="19050" cap="flat" cmpd="sng" algn="ctr">
+                      <a:solidFill>
+                        <a:srgbClr val="000000"/>
+                      </a:solidFill>
+                      <a:prstDash val="solid"/>
+                      <a:round/>
+                      <a:headEnd type="none" w="med" len="med"/>
+                      <a:tailEnd type="none" w="med" len="med"/>
+                    </a:lnT>
+                    <a:lnB w="19050" cap="flat" cmpd="sng" algn="ctr">
+                      <a:solidFill>
+                        <a:srgbClr val="000000"/>
+                      </a:solidFill>
+                      <a:prstDash val="solid"/>
+                      <a:round/>
+                      <a:headEnd type="none" w="med" len="med"/>
+                      <a:tailEnd type="none" w="med" len="med"/>
+                    </a:lnB>
+                  </a:tcPr>
+                </a:tc>
+                <a:extLst>
+                  <a:ext uri="{0D108BD9-81ED-4DB2-BD59-A6C34878D82A}">
+                    <a16:rowId xmlns:a16="http://schemas.microsoft.com/office/drawing/2014/main" val="3816990791"/>
                   </a:ext>
                 </a:extLst>
               </a:tr>
@@ -12611,7 +13068,7 @@
         <p:spPr>
           <a:xfrm>
             <a:off x="381000" y="513945"/>
-            <a:ext cx="6781800" cy="5627181"/>
+            <a:ext cx="6781800" cy="5380960"/>
           </a:xfrm>
           <a:prstGeom prst="rect">
             <a:avLst/>
@@ -12808,7 +13265,7 @@
                 <a:latin typeface="Arial" panose="020B0604020202020204" pitchFamily="34" charset="0"/>
                 <a:cs typeface="Arial" panose="020B0604020202020204" pitchFamily="34" charset="0"/>
               </a:rPr>
-              <a:t>Enable users to delete or manage their captured selfies within the app.</a:t>
+              <a:t>Enable users to view their captured selfies within the app.</a:t>
             </a:r>
           </a:p>
           <a:p>
@@ -13139,7 +13596,7 @@
         <p:spPr>
           <a:xfrm>
             <a:off x="685800" y="762000"/>
-            <a:ext cx="6175920" cy="3785652"/>
+            <a:ext cx="6175920" cy="3539430"/>
           </a:xfrm>
           <a:prstGeom prst="rect">
             <a:avLst/>
@@ -13174,7 +13631,7 @@
                 <a:latin typeface="Arial" panose="020B0604020202020204" pitchFamily="34" charset="0"/>
                 <a:cs typeface="Arial" panose="020B0604020202020204" pitchFamily="34" charset="0"/>
               </a:rPr>
-              <a:t>Design the app to handle a large number of users simultaneously without performance degradation.</a:t>
+              <a:t>Implement scalable backend infrastructure to support data storage needs.</a:t>
             </a:r>
           </a:p>
           <a:p>
@@ -13187,7 +13644,7 @@
                 <a:latin typeface="Arial" panose="020B0604020202020204" pitchFamily="34" charset="0"/>
                 <a:cs typeface="Arial" panose="020B0604020202020204" pitchFamily="34" charset="0"/>
               </a:rPr>
-              <a:t>Implement scalable backend infrastructure to support growing user base and data storage needs.</a:t>
+              <a:t>We can add up to 50+ models in near future</a:t>
             </a:r>
           </a:p>
           <a:p>
@@ -13252,7 +13709,7 @@
                 <a:latin typeface="Arial" panose="020B0604020202020204" pitchFamily="34" charset="0"/>
                 <a:cs typeface="Arial" panose="020B0604020202020204" pitchFamily="34" charset="0"/>
               </a:rPr>
-              <a:t>The app should be compatible with a wide range of Android devices running Kotlin version 7 or higher.</a:t>
+              <a:t>The app should be compatible with a wide range of Android devices running Kotlin version 1.9.23 or higher.</a:t>
             </a:r>
           </a:p>
           <a:p>
